--- a/talks/20180313/20180313-PyDataIntro.pptx
+++ b/talks/20180313/20180313-PyDataIntro.pptx
@@ -17,10 +17,10 @@
     <p:sldId id="261" r:id="rId5"/>
     <p:sldId id="263" r:id="rId6"/>
     <p:sldId id="262" r:id="rId7"/>
-    <p:sldId id="268" r:id="rId8"/>
-    <p:sldId id="264" r:id="rId9"/>
-    <p:sldId id="270" r:id="rId10"/>
-    <p:sldId id="269" r:id="rId11"/>
+    <p:sldId id="269" r:id="rId8"/>
+    <p:sldId id="268" r:id="rId9"/>
+    <p:sldId id="264" r:id="rId10"/>
+    <p:sldId id="270" r:id="rId11"/>
   </p:sldIdLst>
   <p:sldSz cx="9144000" cy="6858000" type="screen4x3"/>
   <p:notesSz cx="6858000" cy="9144000"/>
@@ -220,7 +220,7 @@
           <a:p>
             <a:fld id="{FEB69ECD-F9AB-FC4E-90AC-326AAAF914AC}" type="datetimeFigureOut">
               <a:rPr lang="en-US" smtClean="0"/>
-              <a:t>3/12/18</a:t>
+              <a:t>3/13/18</a:t>
             </a:fld>
             <a:endParaRPr lang="en-US"/>
           </a:p>
@@ -385,7 +385,7 @@
           <a:p>
             <a:fld id="{12EC9BAA-1B7E-A446-A2B3-00C89FDCBD52}" type="datetimeFigureOut">
               <a:rPr lang="en-US" smtClean="0"/>
-              <a:t>3/12/18</a:t>
+              <a:t>3/13/18</a:t>
             </a:fld>
             <a:endParaRPr lang="en-US"/>
           </a:p>
@@ -1033,7 +1033,7 @@
           <a:p>
             <a:fld id="{B9CB6FE6-04A5-8B4E-85F5-152CE20686F5}" type="slidenum">
               <a:rPr lang="en-US" smtClean="0"/>
-              <a:t>7</a:t>
+              <a:t>8</a:t>
             </a:fld>
             <a:endParaRPr lang="en-US"/>
           </a:p>
@@ -1233,7 +1233,7 @@
           <a:p>
             <a:fld id="{764FC402-F86F-7E47-81B8-16B12E4887E4}" type="datetimeFigureOut">
               <a:rPr lang="en-US" smtClean="0"/>
-              <a:t>3/12/18</a:t>
+              <a:t>3/13/18</a:t>
             </a:fld>
             <a:endParaRPr lang="en-US"/>
           </a:p>
@@ -1403,7 +1403,7 @@
           <a:p>
             <a:fld id="{764FC402-F86F-7E47-81B8-16B12E4887E4}" type="datetimeFigureOut">
               <a:rPr lang="en-US" smtClean="0"/>
-              <a:t>3/12/18</a:t>
+              <a:t>3/13/18</a:t>
             </a:fld>
             <a:endParaRPr lang="en-US"/>
           </a:p>
@@ -1583,7 +1583,7 @@
           <a:p>
             <a:fld id="{764FC402-F86F-7E47-81B8-16B12E4887E4}" type="datetimeFigureOut">
               <a:rPr lang="en-US" smtClean="0"/>
-              <a:t>3/12/18</a:t>
+              <a:t>3/13/18</a:t>
             </a:fld>
             <a:endParaRPr lang="en-US"/>
           </a:p>
@@ -1766,7 +1766,7 @@
           <a:p>
             <a:fld id="{764FC402-F86F-7E47-81B8-16B12E4887E4}" type="datetimeFigureOut">
               <a:rPr lang="en-US" smtClean="0"/>
-              <a:t>3/12/18</a:t>
+              <a:t>3/13/18</a:t>
             </a:fld>
             <a:endParaRPr lang="en-US"/>
           </a:p>
@@ -2115,7 +2115,7 @@
           <a:p>
             <a:fld id="{764FC402-F86F-7E47-81B8-16B12E4887E4}" type="datetimeFigureOut">
               <a:rPr lang="en-US" smtClean="0"/>
-              <a:t>3/12/18</a:t>
+              <a:t>3/13/18</a:t>
             </a:fld>
             <a:endParaRPr lang="en-US"/>
           </a:p>
@@ -2403,7 +2403,7 @@
           <a:p>
             <a:fld id="{764FC402-F86F-7E47-81B8-16B12E4887E4}" type="datetimeFigureOut">
               <a:rPr lang="en-US" smtClean="0"/>
-              <a:t>3/12/18</a:t>
+              <a:t>3/13/18</a:t>
             </a:fld>
             <a:endParaRPr lang="en-US"/>
           </a:p>
@@ -2825,7 +2825,7 @@
           <a:p>
             <a:fld id="{764FC402-F86F-7E47-81B8-16B12E4887E4}" type="datetimeFigureOut">
               <a:rPr lang="en-US" smtClean="0"/>
-              <a:t>3/12/18</a:t>
+              <a:t>3/13/18</a:t>
             </a:fld>
             <a:endParaRPr lang="en-US"/>
           </a:p>
@@ -2943,7 +2943,7 @@
           <a:p>
             <a:fld id="{764FC402-F86F-7E47-81B8-16B12E4887E4}" type="datetimeFigureOut">
               <a:rPr lang="en-US" smtClean="0"/>
-              <a:t>3/12/18</a:t>
+              <a:t>3/13/18</a:t>
             </a:fld>
             <a:endParaRPr lang="en-US"/>
           </a:p>
@@ -3038,7 +3038,7 @@
           <a:p>
             <a:fld id="{764FC402-F86F-7E47-81B8-16B12E4887E4}" type="datetimeFigureOut">
               <a:rPr lang="en-US" smtClean="0"/>
-              <a:t>3/12/18</a:t>
+              <a:t>3/13/18</a:t>
             </a:fld>
             <a:endParaRPr lang="en-US"/>
           </a:p>
@@ -3315,7 +3315,7 @@
           <a:p>
             <a:fld id="{764FC402-F86F-7E47-81B8-16B12E4887E4}" type="datetimeFigureOut">
               <a:rPr lang="en-US" smtClean="0"/>
-              <a:t>3/12/18</a:t>
+              <a:t>3/13/18</a:t>
             </a:fld>
             <a:endParaRPr lang="en-US"/>
           </a:p>
@@ -3568,7 +3568,7 @@
           <a:p>
             <a:fld id="{764FC402-F86F-7E47-81B8-16B12E4887E4}" type="datetimeFigureOut">
               <a:rPr lang="en-US" smtClean="0"/>
-              <a:t>3/12/18</a:t>
+              <a:t>3/13/18</a:t>
             </a:fld>
             <a:endParaRPr lang="en-US"/>
           </a:p>
@@ -3782,7 +3782,7 @@
             <a:fld id="{764FC402-F86F-7E47-81B8-16B12E4887E4}" type="datetimeFigureOut">
               <a:rPr lang="en-US" smtClean="0"/>
               <a:pPr/>
-              <a:t>3/12/18</a:t>
+              <a:t>3/13/18</a:t>
             </a:fld>
             <a:endParaRPr lang="en-US"/>
           </a:p>
@@ -4184,23 +4184,7 @@
                   <a:schemeClr val="tx1"/>
                 </a:solidFill>
               </a:rPr>
-              <a:t>March 13</a:t>
-            </a:r>
-            <a:r>
-              <a:rPr lang="en-US" dirty="0" smtClean="0">
-                <a:solidFill>
-                  <a:schemeClr val="tx1"/>
-                </a:solidFill>
-              </a:rPr>
-              <a:t>, </a:t>
-            </a:r>
-            <a:r>
-              <a:rPr lang="en-US" dirty="0" smtClean="0">
-                <a:solidFill>
-                  <a:schemeClr val="tx1"/>
-                </a:solidFill>
-              </a:rPr>
-              <a:t>2018</a:t>
+              <a:t>March 13, 2018</a:t>
             </a:r>
           </a:p>
         </p:txBody>
@@ -4258,6 +4242,14 @@
 <file path=ppt/slides/slide10.xml><?xml version="1.0" encoding="utf-8"?>
 <p:sld xmlns:a="http://schemas.openxmlformats.org/drawingml/2006/main" xmlns:r="http://schemas.openxmlformats.org/officeDocument/2006/relationships" xmlns:p="http://schemas.openxmlformats.org/presentationml/2006/main">
   <p:cSld>
+    <p:bg>
+      <p:bgPr>
+        <a:solidFill>
+          <a:schemeClr val="tx1"/>
+        </a:solidFill>
+        <a:effectLst/>
+      </p:bgPr>
+    </p:bg>
     <p:spTree>
       <p:nvGrpSpPr>
         <p:cNvPr id="1" name=""/>
@@ -4272,129 +4264,16 @@
           <a:chExt cx="0" cy="0"/>
         </a:xfrm>
       </p:grpSpPr>
-      <p:pic>
-        <p:nvPicPr>
-          <p:cNvPr id="6" name="Picture 5" descr="td_ameritrade_v.jpg"/>
-          <p:cNvPicPr>
-            <a:picLocks noChangeAspect="1"/>
-          </p:cNvPicPr>
-          <p:nvPr/>
-        </p:nvPicPr>
-        <p:blipFill>
-          <a:blip r:embed="rId2">
-            <a:extLst>
-              <a:ext uri="{28A0092B-C50C-407E-A947-70E740481C1C}">
-                <a14:useLocalDpi xmlns:a14="http://schemas.microsoft.com/office/drawing/2010/main" val="0"/>
-              </a:ext>
-            </a:extLst>
-          </a:blip>
-          <a:stretch>
-            <a:fillRect/>
-          </a:stretch>
-        </p:blipFill>
-        <p:spPr>
-          <a:xfrm>
-            <a:off x="-250969" y="-307402"/>
-            <a:ext cx="9645938" cy="3387841"/>
-          </a:xfrm>
-          <a:prstGeom prst="rect">
-            <a:avLst/>
-          </a:prstGeom>
-        </p:spPr>
-      </p:pic>
-      <p:sp>
-        <p:nvSpPr>
-          <p:cNvPr id="2" name="Title 1"/>
-          <p:cNvSpPr>
-            <a:spLocks noGrp="1"/>
-          </p:cNvSpPr>
-          <p:nvPr>
-            <p:ph type="title"/>
-          </p:nvPr>
-        </p:nvSpPr>
-        <p:spPr>
-          <a:xfrm>
-            <a:off x="457200" y="4203145"/>
-            <a:ext cx="8229600" cy="1143000"/>
-          </a:xfrm>
-        </p:spPr>
-        <p:txBody>
-          <a:bodyPr>
-            <a:normAutofit/>
-          </a:bodyPr>
-          <a:lstStyle/>
-          <a:p>
-            <a:r>
-              <a:rPr lang="en-US" sz="3100" b="0" dirty="0" smtClean="0"/>
-              <a:t>Data Scientist</a:t>
-            </a:r>
-            <a:endParaRPr lang="en-US" sz="3100" b="0" dirty="0"/>
-          </a:p>
-        </p:txBody>
-      </p:sp>
-      <p:sp>
-        <p:nvSpPr>
-          <p:cNvPr id="4" name="Title 1"/>
-          <p:cNvSpPr txBox="1">
-            <a:spLocks/>
-          </p:cNvSpPr>
-          <p:nvPr/>
-        </p:nvSpPr>
-        <p:spPr>
-          <a:xfrm>
-            <a:off x="457200" y="2451789"/>
-            <a:ext cx="8229600" cy="1257300"/>
-          </a:xfrm>
-          <a:prstGeom prst="rect">
-            <a:avLst/>
-          </a:prstGeom>
-        </p:spPr>
-        <p:txBody>
-          <a:bodyPr vert="horz" lIns="91440" tIns="45720" rIns="91440" bIns="45720" rtlCol="0" anchor="ctr">
-            <a:normAutofit fontScale="97500"/>
-          </a:bodyPr>
-          <a:lstStyle>
-            <a:lvl1pPr algn="ctr" defTabSz="457200" rtl="0" eaLnBrk="1" latinLnBrk="0" hangingPunct="1">
-              <a:spcBef>
-                <a:spcPct val="0"/>
-              </a:spcBef>
-              <a:buNone/>
-              <a:defRPr sz="4000" b="1" kern="1200">
-                <a:solidFill>
-                  <a:srgbClr val="546870"/>
-                </a:solidFill>
-                <a:latin typeface="Open Sans"/>
-                <a:ea typeface="+mj-ea"/>
-                <a:cs typeface="Open Sans"/>
-              </a:defRPr>
-            </a:lvl1pPr>
-          </a:lstStyle>
-          <a:p>
-            <a:r>
-              <a:rPr lang="en-US" dirty="0" err="1" smtClean="0"/>
-              <a:t>careers.tdameritrade.com</a:t>
-            </a:r>
-            <a:endParaRPr lang="en-US" sz="3100" dirty="0"/>
-          </a:p>
-        </p:txBody>
-      </p:sp>
     </p:spTree>
     <p:extLst>
       <p:ext uri="{BB962C8B-B14F-4D97-AF65-F5344CB8AC3E}">
-        <p14:creationId xmlns:p14="http://schemas.microsoft.com/office/powerpoint/2010/main" val="1487442333"/>
+        <p14:creationId xmlns:p14="http://schemas.microsoft.com/office/powerpoint/2010/main" val="1853425289"/>
       </p:ext>
     </p:extLst>
   </p:cSld>
   <p:clrMapOvr>
     <a:masterClrMapping/>
   </p:clrMapOvr>
-  <p:timing>
-    <p:tnLst>
-      <p:par>
-        <p:cTn id="1" dur="indefinite" restart="never" nodeType="tmRoot"/>
-      </p:par>
-    </p:tnLst>
-  </p:timing>
 </p:sld>
 </file>
 
@@ -4997,17 +4876,7 @@
                 <a:latin typeface="Open Sans"/>
                 <a:cs typeface="Open Sans"/>
               </a:rPr>
-              <a:t>, March 15</a:t>
-            </a:r>
-            <a:r>
-              <a:rPr lang="en-US" sz="3200" dirty="0" smtClean="0">
-                <a:solidFill>
-                  <a:srgbClr val="546870"/>
-                </a:solidFill>
-                <a:latin typeface="Open Sans"/>
-                <a:cs typeface="Open Sans"/>
-              </a:rPr>
-              <a:t>, 2018</a:t>
+              <a:t>, March 15, 2018</a:t>
             </a:r>
             <a:endParaRPr lang="en-US" sz="3200" dirty="0">
               <a:solidFill>
@@ -5117,6 +4986,160 @@
       </p:grpSpPr>
       <p:pic>
         <p:nvPicPr>
+          <p:cNvPr id="6" name="Picture 5" descr="td_ameritrade_v.jpg"/>
+          <p:cNvPicPr>
+            <a:picLocks noChangeAspect="1"/>
+          </p:cNvPicPr>
+          <p:nvPr/>
+        </p:nvPicPr>
+        <p:blipFill>
+          <a:blip r:embed="rId2">
+            <a:extLst>
+              <a:ext uri="{28A0092B-C50C-407E-A947-70E740481C1C}">
+                <a14:useLocalDpi xmlns:a14="http://schemas.microsoft.com/office/drawing/2010/main" val="0"/>
+              </a:ext>
+            </a:extLst>
+          </a:blip>
+          <a:stretch>
+            <a:fillRect/>
+          </a:stretch>
+        </p:blipFill>
+        <p:spPr>
+          <a:xfrm>
+            <a:off x="-250969" y="-307402"/>
+            <a:ext cx="9645938" cy="3387841"/>
+          </a:xfrm>
+          <a:prstGeom prst="rect">
+            <a:avLst/>
+          </a:prstGeom>
+        </p:spPr>
+      </p:pic>
+      <p:sp>
+        <p:nvSpPr>
+          <p:cNvPr id="2" name="Title 1"/>
+          <p:cNvSpPr>
+            <a:spLocks noGrp="1"/>
+          </p:cNvSpPr>
+          <p:nvPr>
+            <p:ph type="title"/>
+          </p:nvPr>
+        </p:nvSpPr>
+        <p:spPr>
+          <a:xfrm>
+            <a:off x="457200" y="4203145"/>
+            <a:ext cx="8229600" cy="1143000"/>
+          </a:xfrm>
+        </p:spPr>
+        <p:txBody>
+          <a:bodyPr>
+            <a:normAutofit/>
+          </a:bodyPr>
+          <a:lstStyle/>
+          <a:p>
+            <a:r>
+              <a:rPr lang="en-US" sz="3100" b="0" smtClean="0"/>
+              <a:t>Data </a:t>
+            </a:r>
+            <a:r>
+              <a:rPr lang="en-US" sz="3100" b="0" smtClean="0"/>
+              <a:t>Scientist		Data Analyst</a:t>
+            </a:r>
+            <a:br>
+              <a:rPr lang="en-US" sz="3100" b="0" smtClean="0"/>
+            </a:br>
+            <a:r>
+              <a:rPr lang="en-US" sz="3100" b="0" smtClean="0"/>
+              <a:t>Java/Mobile Developer</a:t>
+            </a:r>
+            <a:endParaRPr lang="en-US" sz="3100" b="0" dirty="0"/>
+          </a:p>
+        </p:txBody>
+      </p:sp>
+      <p:sp>
+        <p:nvSpPr>
+          <p:cNvPr id="4" name="Title 1"/>
+          <p:cNvSpPr txBox="1">
+            <a:spLocks/>
+          </p:cNvSpPr>
+          <p:nvPr/>
+        </p:nvSpPr>
+        <p:spPr>
+          <a:xfrm>
+            <a:off x="457200" y="2451789"/>
+            <a:ext cx="8229600" cy="1257300"/>
+          </a:xfrm>
+          <a:prstGeom prst="rect">
+            <a:avLst/>
+          </a:prstGeom>
+        </p:spPr>
+        <p:txBody>
+          <a:bodyPr vert="horz" lIns="91440" tIns="45720" rIns="91440" bIns="45720" rtlCol="0" anchor="ctr">
+            <a:normAutofit fontScale="97500"/>
+          </a:bodyPr>
+          <a:lstStyle>
+            <a:lvl1pPr algn="ctr" defTabSz="457200" rtl="0" eaLnBrk="1" latinLnBrk="0" hangingPunct="1">
+              <a:spcBef>
+                <a:spcPct val="0"/>
+              </a:spcBef>
+              <a:buNone/>
+              <a:defRPr sz="4000" b="1" kern="1200">
+                <a:solidFill>
+                  <a:srgbClr val="546870"/>
+                </a:solidFill>
+                <a:latin typeface="Open Sans"/>
+                <a:ea typeface="+mj-ea"/>
+                <a:cs typeface="Open Sans"/>
+              </a:defRPr>
+            </a:lvl1pPr>
+          </a:lstStyle>
+          <a:p>
+            <a:r>
+              <a:rPr lang="en-US" dirty="0" err="1" smtClean="0"/>
+              <a:t>careers.tdameritrade.com</a:t>
+            </a:r>
+            <a:endParaRPr lang="en-US" sz="3100" dirty="0"/>
+          </a:p>
+        </p:txBody>
+      </p:sp>
+    </p:spTree>
+    <p:extLst>
+      <p:ext uri="{BB962C8B-B14F-4D97-AF65-F5344CB8AC3E}">
+        <p14:creationId xmlns:p14="http://schemas.microsoft.com/office/powerpoint/2010/main" val="1487442333"/>
+      </p:ext>
+    </p:extLst>
+  </p:cSld>
+  <p:clrMapOvr>
+    <a:masterClrMapping/>
+  </p:clrMapOvr>
+  <p:timing>
+    <p:tnLst>
+      <p:par>
+        <p:cTn id="1" dur="indefinite" restart="never" nodeType="tmRoot"/>
+      </p:par>
+    </p:tnLst>
+  </p:timing>
+</p:sld>
+</file>
+
+<file path=ppt/slides/slide8.xml><?xml version="1.0" encoding="utf-8"?>
+<p:sld xmlns:a="http://schemas.openxmlformats.org/drawingml/2006/main" xmlns:r="http://schemas.openxmlformats.org/officeDocument/2006/relationships" xmlns:p="http://schemas.openxmlformats.org/presentationml/2006/main">
+  <p:cSld>
+    <p:spTree>
+      <p:nvGrpSpPr>
+        <p:cNvPr id="1" name=""/>
+        <p:cNvGrpSpPr/>
+        <p:nvPr/>
+      </p:nvGrpSpPr>
+      <p:grpSpPr>
+        <a:xfrm>
+          <a:off x="0" y="0"/>
+          <a:ext cx="0" cy="0"/>
+          <a:chOff x="0" y="0"/>
+          <a:chExt cx="0" cy="0"/>
+        </a:xfrm>
+      </p:grpSpPr>
+      <p:pic>
+        <p:nvPicPr>
           <p:cNvPr id="4" name="Picture 3" descr="m_swarm_630x630.png"/>
           <p:cNvPicPr>
             <a:picLocks noChangeAspect="1"/>
@@ -5215,13 +5238,6 @@
               </a:rPr>
               <a:t>YOU!</a:t>
             </a:r>
-            <a:endParaRPr lang="en-US" sz="2400" dirty="0" smtClean="0">
-              <a:solidFill>
-                <a:srgbClr val="546870"/>
-              </a:solidFill>
-              <a:latin typeface="Open Sans"/>
-              <a:cs typeface="Open Sans"/>
-            </a:endParaRPr>
           </a:p>
           <a:p>
             <a:pPr algn="ctr"/>
@@ -5255,13 +5271,6 @@
               </a:rPr>
               <a:t>Lightning Talks</a:t>
             </a:r>
-            <a:endParaRPr lang="en-US" sz="2400" dirty="0" smtClean="0">
-              <a:solidFill>
-                <a:srgbClr val="546870"/>
-              </a:solidFill>
-              <a:latin typeface="Open Sans"/>
-              <a:cs typeface="Open Sans"/>
-            </a:endParaRPr>
           </a:p>
           <a:p>
             <a:pPr algn="ctr"/>
@@ -5293,27 +5302,7 @@
                 <a:latin typeface="Open Sans"/>
                 <a:cs typeface="Open Sans"/>
               </a:rPr>
-              <a:t> </a:t>
-            </a:r>
-            <a:r>
-              <a:rPr lang="en-US" sz="2400" dirty="0" smtClean="0">
-                <a:solidFill>
-                  <a:srgbClr val="546870"/>
-                </a:solidFill>
-                <a:latin typeface="Open Sans"/>
-                <a:cs typeface="Open Sans"/>
-              </a:rPr>
-              <a:t>Tuesday, April 10, </a:t>
-            </a:r>
-            <a:r>
-              <a:rPr lang="en-US" sz="2400" dirty="0" smtClean="0">
-                <a:solidFill>
-                  <a:srgbClr val="546870"/>
-                </a:solidFill>
-                <a:latin typeface="Open Sans"/>
-                <a:cs typeface="Open Sans"/>
-              </a:rPr>
-              <a:t>2018 (6:00pm)</a:t>
+              <a:t> Tuesday, April 10, 2018 (6:00pm)</a:t>
             </a:r>
             <a:endParaRPr lang="en-US" sz="2400" dirty="0">
               <a:solidFill>
@@ -5345,7 +5334,7 @@
 </p:sld>
 </file>
 
-<file path=ppt/slides/slide8.xml><?xml version="1.0" encoding="utf-8"?>
+<file path=ppt/slides/slide9.xml><?xml version="1.0" encoding="utf-8"?>
 <p:sld xmlns:a="http://schemas.openxmlformats.org/drawingml/2006/main" xmlns:r="http://schemas.openxmlformats.org/officeDocument/2006/relationships" xmlns:p="http://schemas.openxmlformats.org/presentationml/2006/main">
   <p:cSld>
     <p:spTree>
@@ -5448,44 +5437,6 @@
       </p:par>
     </p:tnLst>
   </p:timing>
-</p:sld>
-</file>
-
-<file path=ppt/slides/slide9.xml><?xml version="1.0" encoding="utf-8"?>
-<p:sld xmlns:a="http://schemas.openxmlformats.org/drawingml/2006/main" xmlns:r="http://schemas.openxmlformats.org/officeDocument/2006/relationships" xmlns:p="http://schemas.openxmlformats.org/presentationml/2006/main">
-  <p:cSld>
-    <p:bg>
-      <p:bgPr>
-        <a:solidFill>
-          <a:schemeClr val="tx1"/>
-        </a:solidFill>
-        <a:effectLst/>
-      </p:bgPr>
-    </p:bg>
-    <p:spTree>
-      <p:nvGrpSpPr>
-        <p:cNvPr id="1" name=""/>
-        <p:cNvGrpSpPr/>
-        <p:nvPr/>
-      </p:nvGrpSpPr>
-      <p:grpSpPr>
-        <a:xfrm>
-          <a:off x="0" y="0"/>
-          <a:ext cx="0" cy="0"/>
-          <a:chOff x="0" y="0"/>
-          <a:chExt cx="0" cy="0"/>
-        </a:xfrm>
-      </p:grpSpPr>
-    </p:spTree>
-    <p:extLst>
-      <p:ext uri="{BB962C8B-B14F-4D97-AF65-F5344CB8AC3E}">
-        <p14:creationId xmlns:p14="http://schemas.microsoft.com/office/powerpoint/2010/main" val="1853425289"/>
-      </p:ext>
-    </p:extLst>
-  </p:cSld>
-  <p:clrMapOvr>
-    <a:masterClrMapping/>
-  </p:clrMapOvr>
 </p:sld>
 </file>
 
